--- a/figures/Supp.fig2.pptx
+++ b/figures/Supp.fig2.pptx
@@ -259,7 +259,7 @@
           <a:p>
             <a:fld id="{4538F356-A95C-5C46-B760-5A2E05EE06EE}" type="datetimeFigureOut">
               <a:rPr lang="en-US" smtClean="0"/>
-              <a:t>8/12/20</a:t>
+              <a:t>8/16/20</a:t>
             </a:fld>
             <a:endParaRPr lang="en-US"/>
           </a:p>
@@ -457,7 +457,7 @@
           <a:p>
             <a:fld id="{4538F356-A95C-5C46-B760-5A2E05EE06EE}" type="datetimeFigureOut">
               <a:rPr lang="en-US" smtClean="0"/>
-              <a:t>8/12/20</a:t>
+              <a:t>8/16/20</a:t>
             </a:fld>
             <a:endParaRPr lang="en-US"/>
           </a:p>
@@ -665,7 +665,7 @@
           <a:p>
             <a:fld id="{4538F356-A95C-5C46-B760-5A2E05EE06EE}" type="datetimeFigureOut">
               <a:rPr lang="en-US" smtClean="0"/>
-              <a:t>8/12/20</a:t>
+              <a:t>8/16/20</a:t>
             </a:fld>
             <a:endParaRPr lang="en-US"/>
           </a:p>
@@ -863,7 +863,7 @@
           <a:p>
             <a:fld id="{4538F356-A95C-5C46-B760-5A2E05EE06EE}" type="datetimeFigureOut">
               <a:rPr lang="en-US" smtClean="0"/>
-              <a:t>8/12/20</a:t>
+              <a:t>8/16/20</a:t>
             </a:fld>
             <a:endParaRPr lang="en-US"/>
           </a:p>
@@ -1138,7 +1138,7 @@
           <a:p>
             <a:fld id="{4538F356-A95C-5C46-B760-5A2E05EE06EE}" type="datetimeFigureOut">
               <a:rPr lang="en-US" smtClean="0"/>
-              <a:t>8/12/20</a:t>
+              <a:t>8/16/20</a:t>
             </a:fld>
             <a:endParaRPr lang="en-US"/>
           </a:p>
@@ -1403,7 +1403,7 @@
           <a:p>
             <a:fld id="{4538F356-A95C-5C46-B760-5A2E05EE06EE}" type="datetimeFigureOut">
               <a:rPr lang="en-US" smtClean="0"/>
-              <a:t>8/12/20</a:t>
+              <a:t>8/16/20</a:t>
             </a:fld>
             <a:endParaRPr lang="en-US"/>
           </a:p>
@@ -1815,7 +1815,7 @@
           <a:p>
             <a:fld id="{4538F356-A95C-5C46-B760-5A2E05EE06EE}" type="datetimeFigureOut">
               <a:rPr lang="en-US" smtClean="0"/>
-              <a:t>8/12/20</a:t>
+              <a:t>8/16/20</a:t>
             </a:fld>
             <a:endParaRPr lang="en-US"/>
           </a:p>
@@ -1956,7 +1956,7 @@
           <a:p>
             <a:fld id="{4538F356-A95C-5C46-B760-5A2E05EE06EE}" type="datetimeFigureOut">
               <a:rPr lang="en-US" smtClean="0"/>
-              <a:t>8/12/20</a:t>
+              <a:t>8/16/20</a:t>
             </a:fld>
             <a:endParaRPr lang="en-US"/>
           </a:p>
@@ -2069,7 +2069,7 @@
           <a:p>
             <a:fld id="{4538F356-A95C-5C46-B760-5A2E05EE06EE}" type="datetimeFigureOut">
               <a:rPr lang="en-US" smtClean="0"/>
-              <a:t>8/12/20</a:t>
+              <a:t>8/16/20</a:t>
             </a:fld>
             <a:endParaRPr lang="en-US"/>
           </a:p>
@@ -2380,7 +2380,7 @@
           <a:p>
             <a:fld id="{4538F356-A95C-5C46-B760-5A2E05EE06EE}" type="datetimeFigureOut">
               <a:rPr lang="en-US" smtClean="0"/>
-              <a:t>8/12/20</a:t>
+              <a:t>8/16/20</a:t>
             </a:fld>
             <a:endParaRPr lang="en-US"/>
           </a:p>
@@ -2668,7 +2668,7 @@
           <a:p>
             <a:fld id="{4538F356-A95C-5C46-B760-5A2E05EE06EE}" type="datetimeFigureOut">
               <a:rPr lang="en-US" smtClean="0"/>
-              <a:t>8/12/20</a:t>
+              <a:t>8/16/20</a:t>
             </a:fld>
             <a:endParaRPr lang="en-US"/>
           </a:p>
@@ -2909,7 +2909,7 @@
           <a:p>
             <a:fld id="{4538F356-A95C-5C46-B760-5A2E05EE06EE}" type="datetimeFigureOut">
               <a:rPr lang="en-US" smtClean="0"/>
-              <a:t>8/12/20</a:t>
+              <a:t>8/16/20</a:t>
             </a:fld>
             <a:endParaRPr lang="en-US"/>
           </a:p>
@@ -3431,7 +3431,7 @@
         </p:nvCxnSpPr>
         <p:spPr>
           <a:xfrm flipV="1">
-            <a:off x="2640166" y="3256130"/>
+            <a:off x="2631194" y="3262454"/>
             <a:ext cx="0" cy="463897"/>
           </a:xfrm>
           <a:prstGeom prst="straightConnector1">
@@ -3476,7 +3476,7 @@
             <p:spPr>
               <a:xfrm>
                 <a:off x="2049342" y="3358190"/>
-                <a:ext cx="434414" cy="276999"/>
+                <a:ext cx="428322" cy="276999"/>
               </a:xfrm>
               <a:prstGeom prst="rect">
                 <a:avLst/>
@@ -3499,11 +3499,11 @@
                       <m:t>𝑞</m:t>
                     </m:r>
                     <m:r>
-                      <a:rPr lang="en-US" b="0" i="1" smtClean="0">
+                      <a:rPr lang="en-US" b="0" i="1" baseline="-25000" smtClean="0">
                         <a:latin typeface="Cambria Math" panose="02040503050406030204" pitchFamily="18" charset="0"/>
                         <a:ea typeface="Cambria Math" panose="02040503050406030204" pitchFamily="18" charset="0"/>
                       </a:rPr>
-                      <m:t>01</m:t>
+                      <m:t>𝑀𝐻</m:t>
                     </m:r>
                   </m:oMath>
                 </a14:m>
@@ -3533,7 +3533,7 @@
             <p:spPr>
               <a:xfrm>
                 <a:off x="2049342" y="3358190"/>
-                <a:ext cx="434414" cy="276999"/>
+                <a:ext cx="428322" cy="276999"/>
               </a:xfrm>
               <a:prstGeom prst="rect">
                 <a:avLst/>
@@ -3541,7 +3541,7 @@
               <a:blipFill>
                 <a:blip r:embed="rId2"/>
                 <a:stretch>
-                  <a:fillRect l="-19444" r="-8333" b="-31818"/>
+                  <a:fillRect l="-17143" b="-27273"/>
                 </a:stretch>
               </a:blipFill>
             </p:spPr>
@@ -3577,7 +3577,7 @@
             <p:spPr>
               <a:xfrm>
                 <a:off x="2931748" y="3338555"/>
-                <a:ext cx="434414" cy="276999"/>
+                <a:ext cx="427233" cy="276999"/>
               </a:xfrm>
               <a:prstGeom prst="rect">
                 <a:avLst/>
@@ -3600,11 +3600,11 @@
                       <m:t>𝑞</m:t>
                     </m:r>
                     <m:r>
-                      <a:rPr lang="en-US" b="0" i="1" smtClean="0">
+                      <a:rPr lang="en-US" b="0" i="1" baseline="-25000" smtClean="0">
                         <a:latin typeface="Cambria Math" panose="02040503050406030204" pitchFamily="18" charset="0"/>
                         <a:ea typeface="Cambria Math" panose="02040503050406030204" pitchFamily="18" charset="0"/>
                       </a:rPr>
-                      <m:t>10</m:t>
+                      <m:t>𝐻𝑀</m:t>
                     </m:r>
                   </m:oMath>
                 </a14:m>
@@ -3634,7 +3634,7 @@
             <p:spPr>
               <a:xfrm>
                 <a:off x="2931748" y="3338555"/>
-                <a:ext cx="434414" cy="276999"/>
+                <a:ext cx="427233" cy="276999"/>
               </a:xfrm>
               <a:prstGeom prst="rect">
                 <a:avLst/>
@@ -3642,7 +3642,7 @@
               <a:blipFill>
                 <a:blip r:embed="rId3"/>
                 <a:stretch>
-                  <a:fillRect l="-22857" r="-8571" b="-30435"/>
+                  <a:fillRect l="-17647" b="-21739"/>
                 </a:stretch>
               </a:blipFill>
             </p:spPr>
@@ -3678,7 +3678,7 @@
             <p:spPr>
               <a:xfrm>
                 <a:off x="6594213" y="2128600"/>
-                <a:ext cx="3954332" cy="3139321"/>
+                <a:ext cx="3954332" cy="4247317"/>
               </a:xfrm>
               <a:prstGeom prst="rect">
                 <a:avLst/>
@@ -3693,7 +3693,7 @@
               <a:p>
                 <a:r>
                   <a:rPr lang="en-US" dirty="0"/>
-                  <a:t>Model for the evolution of karyotype data in Drosophila. At an instance in time a lineage will have </a:t>
+                  <a:t>Model for the evolution of chromosome number in monocentric and holocentric lineages. At an instance in time a lineage will have </a:t>
                 </a:r>
                 <a14:m>
                   <m:oMath xmlns:m="http://schemas.openxmlformats.org/officeDocument/2006/math">
@@ -3713,7 +3713,7 @@
                 </a14:m>
                 <a:r>
                   <a:rPr lang="en-US" dirty="0"/>
-                  <a:t>chromosome and either an XY or neoXY sex chromosome system. A lineage can make four possible transitions: </a:t>
+                  <a:t>chromosome and either monocentric or holocentric chromosomes. A lineage can make four possible transitions: </a:t>
                 </a:r>
                 <a14:m>
                   <m:oMath xmlns:m="http://schemas.openxmlformats.org/officeDocument/2006/math">
@@ -3728,7 +3728,7 @@
                 </a14:m>
                 <a:r>
                   <a:rPr lang="en-US" dirty="0"/>
-                  <a:t> the fusion of two autosomes, </a:t>
+                  <a:t> the fusion of two chromosomes, </a:t>
                 </a:r>
                 <a14:m>
                   <m:oMath xmlns:m="http://schemas.openxmlformats.org/officeDocument/2006/math">
@@ -3743,22 +3743,7 @@
                 </a14:m>
                 <a:r>
                   <a:rPr lang="en-US" dirty="0"/>
-                  <a:t> the fission of an autosome, </a:t>
-                </a:r>
-                <a14:m>
-                  <m:oMath xmlns:m="http://schemas.openxmlformats.org/officeDocument/2006/math">
-                    <m:r>
-                      <a:rPr lang="en-US" i="1" smtClean="0">
-                        <a:latin typeface="Cambria Math" panose="02040503050406030204" pitchFamily="18" charset="0"/>
-                        <a:ea typeface="Cambria Math" panose="02040503050406030204" pitchFamily="18" charset="0"/>
-                      </a:rPr>
-                      <m:t>𝜎</m:t>
-                    </m:r>
-                  </m:oMath>
-                </a14:m>
-                <a:r>
-                  <a:rPr lang="en-US" dirty="0"/>
-                  <a:t> fusion of an autosome and a sex chromosome, and </a:t>
+                  <a:t> the fission of a chromosome, </a:t>
                 </a:r>
                 <a14:m>
                   <m:oMath xmlns:m="http://schemas.openxmlformats.org/officeDocument/2006/math">
@@ -3773,7 +3758,31 @@
                 </a14:m>
                 <a:r>
                   <a:rPr lang="en-US" dirty="0"/>
-                  <a:t> the transition from neoXY to XY.</a:t>
+                  <a:t> a whole genome duplication, and a transition in centromere type (i.e. transition from monocentric to holocentric </a:t>
+                </a:r>
+                <a:r>
+                  <a:rPr lang="en-US" dirty="0" err="1"/>
+                  <a:t>q</a:t>
+                </a:r>
+                <a:r>
+                  <a:rPr lang="en-US" baseline="-25000" dirty="0" err="1"/>
+                  <a:t>MH</a:t>
+                </a:r>
+                <a:r>
+                  <a:rPr lang="en-US" dirty="0"/>
+                  <a:t> or transition from holocentric to monocentric </a:t>
+                </a:r>
+                <a:r>
+                  <a:rPr lang="en-US" dirty="0" err="1"/>
+                  <a:t>q</a:t>
+                </a:r>
+                <a:r>
+                  <a:rPr lang="en-US" baseline="-25000" dirty="0" err="1"/>
+                  <a:t>HM</a:t>
+                </a:r>
+                <a:r>
+                  <a:rPr lang="en-US" dirty="0"/>
+                  <a:t>).</a:t>
                 </a:r>
               </a:p>
               <a:p>
@@ -3800,7 +3809,7 @@
             <p:spPr>
               <a:xfrm>
                 <a:off x="6594213" y="2128600"/>
-                <a:ext cx="3954332" cy="3139321"/>
+                <a:ext cx="3954332" cy="4247317"/>
               </a:xfrm>
               <a:prstGeom prst="rect">
                 <a:avLst/>
@@ -3808,7 +3817,7 @@
               <a:blipFill>
                 <a:blip r:embed="rId4"/>
                 <a:stretch>
-                  <a:fillRect l="-958" t="-1215"/>
+                  <a:fillRect l="-958" t="-898" r="-2236"/>
                 </a:stretch>
               </a:blipFill>
             </p:spPr>
@@ -3827,8 +3836,8 @@
           </p:sp>
         </mc:Fallback>
       </mc:AlternateContent>
-      <mc:AlternateContent xmlns:mc="http://schemas.openxmlformats.org/markup-compatibility/2006">
-        <mc:Choice xmlns:a14="http://schemas.microsoft.com/office/drawing/2010/main" Requires="a14">
+      <mc:AlternateContent xmlns:mc="http://schemas.openxmlformats.org/markup-compatibility/2006" xmlns:a14="http://schemas.microsoft.com/office/drawing/2010/main">
+        <mc:Choice Requires="a14">
           <p:sp>
             <p:nvSpPr>
               <p:cNvPr id="37" name="TextBox 36">
@@ -3922,7 +3931,7 @@
             </p:txBody>
           </p:sp>
         </mc:Choice>
-        <mc:Fallback>
+        <mc:Fallback xmlns="">
           <p:sp>
             <p:nvSpPr>
               <p:cNvPr id="37" name="TextBox 36">
@@ -4082,8 +4091,8 @@
           </a:p>
         </p:txBody>
       </p:sp>
-      <mc:AlternateContent xmlns:mc="http://schemas.openxmlformats.org/markup-compatibility/2006">
-        <mc:Choice xmlns:a14="http://schemas.microsoft.com/office/drawing/2010/main" Requires="a14">
+      <mc:AlternateContent xmlns:mc="http://schemas.openxmlformats.org/markup-compatibility/2006" xmlns:a14="http://schemas.microsoft.com/office/drawing/2010/main">
+        <mc:Choice Requires="a14">
           <p:sp>
             <p:nvSpPr>
               <p:cNvPr id="39" name="TextBox 38">
@@ -4136,7 +4145,7 @@
             </p:txBody>
           </p:sp>
         </mc:Choice>
-        <mc:Fallback>
+        <mc:Fallback xmlns="">
           <p:sp>
             <p:nvSpPr>
               <p:cNvPr id="39" name="TextBox 38">
@@ -4181,8 +4190,8 @@
           </p:sp>
         </mc:Fallback>
       </mc:AlternateContent>
-      <mc:AlternateContent xmlns:mc="http://schemas.openxmlformats.org/markup-compatibility/2006">
-        <mc:Choice xmlns:a14="http://schemas.microsoft.com/office/drawing/2010/main" Requires="a14">
+      <mc:AlternateContent xmlns:mc="http://schemas.openxmlformats.org/markup-compatibility/2006" xmlns:a14="http://schemas.microsoft.com/office/drawing/2010/main">
+        <mc:Choice Requires="a14">
           <p:sp>
             <p:nvSpPr>
               <p:cNvPr id="40" name="TextBox 39">
@@ -4235,7 +4244,7 @@
             </p:txBody>
           </p:sp>
         </mc:Choice>
-        <mc:Fallback>
+        <mc:Fallback xmlns="">
           <p:sp>
             <p:nvSpPr>
               <p:cNvPr id="40" name="TextBox 39">
@@ -4825,8 +4834,8 @@
           </a:p>
         </p:txBody>
       </p:sp>
-      <mc:AlternateContent xmlns:mc="http://schemas.openxmlformats.org/markup-compatibility/2006">
-        <mc:Choice xmlns:a14="http://schemas.microsoft.com/office/drawing/2010/main" Requires="a14">
+      <mc:AlternateContent xmlns:mc="http://schemas.openxmlformats.org/markup-compatibility/2006" xmlns:a14="http://schemas.microsoft.com/office/drawing/2010/main">
+        <mc:Choice Requires="a14">
           <p:sp>
             <p:nvSpPr>
               <p:cNvPr id="36" name="TextBox 35">
@@ -4920,7 +4929,7 @@
             </p:txBody>
           </p:sp>
         </mc:Choice>
-        <mc:Fallback>
+        <mc:Fallback xmlns="">
           <p:sp>
             <p:nvSpPr>
               <p:cNvPr id="36" name="TextBox 35">
@@ -5080,8 +5089,8 @@
           </a:p>
         </p:txBody>
       </p:sp>
-      <mc:AlternateContent xmlns:mc="http://schemas.openxmlformats.org/markup-compatibility/2006">
-        <mc:Choice xmlns:a14="http://schemas.microsoft.com/office/drawing/2010/main" Requires="a14">
+      <mc:AlternateContent xmlns:mc="http://schemas.openxmlformats.org/markup-compatibility/2006" xmlns:a14="http://schemas.microsoft.com/office/drawing/2010/main">
+        <mc:Choice Requires="a14">
           <p:sp>
             <p:nvSpPr>
               <p:cNvPr id="46" name="TextBox 45">
@@ -5134,7 +5143,7 @@
             </p:txBody>
           </p:sp>
         </mc:Choice>
-        <mc:Fallback>
+        <mc:Fallback xmlns="">
           <p:sp>
             <p:nvSpPr>
               <p:cNvPr id="46" name="TextBox 45">
@@ -5179,8 +5188,8 @@
           </p:sp>
         </mc:Fallback>
       </mc:AlternateContent>
-      <mc:AlternateContent xmlns:mc="http://schemas.openxmlformats.org/markup-compatibility/2006">
-        <mc:Choice xmlns:a14="http://schemas.microsoft.com/office/drawing/2010/main" Requires="a14">
+      <mc:AlternateContent xmlns:mc="http://schemas.openxmlformats.org/markup-compatibility/2006" xmlns:a14="http://schemas.microsoft.com/office/drawing/2010/main">
+        <mc:Choice Requires="a14">
           <p:sp>
             <p:nvSpPr>
               <p:cNvPr id="47" name="TextBox 46">
@@ -5233,7 +5242,7 @@
             </p:txBody>
           </p:sp>
         </mc:Choice>
-        <mc:Fallback>
+        <mc:Fallback xmlns="">
           <p:sp>
             <p:nvSpPr>
               <p:cNvPr id="47" name="TextBox 46">
@@ -5804,6 +5813,50 @@
           </a:p>
         </p:txBody>
       </p:sp>
+      <p:cxnSp>
+        <p:nvCxnSpPr>
+          <p:cNvPr id="32" name="Straight Arrow Connector 31">
+            <a:extLst>
+              <a:ext uri="{FF2B5EF4-FFF2-40B4-BE49-F238E27FC236}">
+                <a16:creationId xmlns:a16="http://schemas.microsoft.com/office/drawing/2014/main" id="{7DFAA960-6939-3344-81D5-D5CE6BA9B4EB}"/>
+              </a:ext>
+            </a:extLst>
+          </p:cNvPr>
+          <p:cNvCxnSpPr>
+            <a:cxnSpLocks/>
+          </p:cNvCxnSpPr>
+          <p:nvPr/>
+        </p:nvCxnSpPr>
+        <p:spPr>
+          <a:xfrm>
+            <a:off x="2504149" y="3272728"/>
+            <a:ext cx="0" cy="463897"/>
+          </a:xfrm>
+          <a:prstGeom prst="straightConnector1">
+            <a:avLst/>
+          </a:prstGeom>
+          <a:ln w="19050">
+            <a:solidFill>
+              <a:schemeClr val="tx1"/>
+            </a:solidFill>
+            <a:tailEnd type="triangle"/>
+          </a:ln>
+        </p:spPr>
+        <p:style>
+          <a:lnRef idx="1">
+            <a:schemeClr val="accent1"/>
+          </a:lnRef>
+          <a:fillRef idx="0">
+            <a:schemeClr val="accent1"/>
+          </a:fillRef>
+          <a:effectRef idx="0">
+            <a:schemeClr val="accent1"/>
+          </a:effectRef>
+          <a:fontRef idx="minor">
+            <a:schemeClr val="tx1"/>
+          </a:fontRef>
+        </p:style>
+      </p:cxnSp>
     </p:spTree>
     <p:extLst>
       <p:ext uri="{BB962C8B-B14F-4D97-AF65-F5344CB8AC3E}">

--- a/figures/Supp.fig2.pptx
+++ b/figures/Supp.fig2.pptx
@@ -259,7 +259,7 @@
           <a:p>
             <a:fld id="{4538F356-A95C-5C46-B760-5A2E05EE06EE}" type="datetimeFigureOut">
               <a:rPr lang="en-US" smtClean="0"/>
-              <a:t>8/16/20</a:t>
+              <a:t>8/17/20</a:t>
             </a:fld>
             <a:endParaRPr lang="en-US"/>
           </a:p>
@@ -457,7 +457,7 @@
           <a:p>
             <a:fld id="{4538F356-A95C-5C46-B760-5A2E05EE06EE}" type="datetimeFigureOut">
               <a:rPr lang="en-US" smtClean="0"/>
-              <a:t>8/16/20</a:t>
+              <a:t>8/17/20</a:t>
             </a:fld>
             <a:endParaRPr lang="en-US"/>
           </a:p>
@@ -665,7 +665,7 @@
           <a:p>
             <a:fld id="{4538F356-A95C-5C46-B760-5A2E05EE06EE}" type="datetimeFigureOut">
               <a:rPr lang="en-US" smtClean="0"/>
-              <a:t>8/16/20</a:t>
+              <a:t>8/17/20</a:t>
             </a:fld>
             <a:endParaRPr lang="en-US"/>
           </a:p>
@@ -863,7 +863,7 @@
           <a:p>
             <a:fld id="{4538F356-A95C-5C46-B760-5A2E05EE06EE}" type="datetimeFigureOut">
               <a:rPr lang="en-US" smtClean="0"/>
-              <a:t>8/16/20</a:t>
+              <a:t>8/17/20</a:t>
             </a:fld>
             <a:endParaRPr lang="en-US"/>
           </a:p>
@@ -1138,7 +1138,7 @@
           <a:p>
             <a:fld id="{4538F356-A95C-5C46-B760-5A2E05EE06EE}" type="datetimeFigureOut">
               <a:rPr lang="en-US" smtClean="0"/>
-              <a:t>8/16/20</a:t>
+              <a:t>8/17/20</a:t>
             </a:fld>
             <a:endParaRPr lang="en-US"/>
           </a:p>
@@ -1403,7 +1403,7 @@
           <a:p>
             <a:fld id="{4538F356-A95C-5C46-B760-5A2E05EE06EE}" type="datetimeFigureOut">
               <a:rPr lang="en-US" smtClean="0"/>
-              <a:t>8/16/20</a:t>
+              <a:t>8/17/20</a:t>
             </a:fld>
             <a:endParaRPr lang="en-US"/>
           </a:p>
@@ -1815,7 +1815,7 @@
           <a:p>
             <a:fld id="{4538F356-A95C-5C46-B760-5A2E05EE06EE}" type="datetimeFigureOut">
               <a:rPr lang="en-US" smtClean="0"/>
-              <a:t>8/16/20</a:t>
+              <a:t>8/17/20</a:t>
             </a:fld>
             <a:endParaRPr lang="en-US"/>
           </a:p>
@@ -1956,7 +1956,7 @@
           <a:p>
             <a:fld id="{4538F356-A95C-5C46-B760-5A2E05EE06EE}" type="datetimeFigureOut">
               <a:rPr lang="en-US" smtClean="0"/>
-              <a:t>8/16/20</a:t>
+              <a:t>8/17/20</a:t>
             </a:fld>
             <a:endParaRPr lang="en-US"/>
           </a:p>
@@ -2069,7 +2069,7 @@
           <a:p>
             <a:fld id="{4538F356-A95C-5C46-B760-5A2E05EE06EE}" type="datetimeFigureOut">
               <a:rPr lang="en-US" smtClean="0"/>
-              <a:t>8/16/20</a:t>
+              <a:t>8/17/20</a:t>
             </a:fld>
             <a:endParaRPr lang="en-US"/>
           </a:p>
@@ -2380,7 +2380,7 @@
           <a:p>
             <a:fld id="{4538F356-A95C-5C46-B760-5A2E05EE06EE}" type="datetimeFigureOut">
               <a:rPr lang="en-US" smtClean="0"/>
-              <a:t>8/16/20</a:t>
+              <a:t>8/17/20</a:t>
             </a:fld>
             <a:endParaRPr lang="en-US"/>
           </a:p>
@@ -2668,7 +2668,7 @@
           <a:p>
             <a:fld id="{4538F356-A95C-5C46-B760-5A2E05EE06EE}" type="datetimeFigureOut">
               <a:rPr lang="en-US" smtClean="0"/>
-              <a:t>8/16/20</a:t>
+              <a:t>8/17/20</a:t>
             </a:fld>
             <a:endParaRPr lang="en-US"/>
           </a:p>
@@ -2909,7 +2909,7 @@
           <a:p>
             <a:fld id="{4538F356-A95C-5C46-B760-5A2E05EE06EE}" type="datetimeFigureOut">
               <a:rPr lang="en-US" smtClean="0"/>
-              <a:t>8/16/20</a:t>
+              <a:t>8/17/20</a:t>
             </a:fld>
             <a:endParaRPr lang="en-US"/>
           </a:p>
@@ -3475,7 +3475,7 @@
             </p:nvSpPr>
             <p:spPr>
               <a:xfrm>
-                <a:off x="2049342" y="3358190"/>
+                <a:off x="2049342" y="3340606"/>
                 <a:ext cx="428322" cy="276999"/>
               </a:xfrm>
               <a:prstGeom prst="rect">
@@ -3532,7 +3532,7 @@
             </p:nvSpPr>
             <p:spPr>
               <a:xfrm>
-                <a:off x="2049342" y="3358190"/>
+                <a:off x="2049342" y="3340606"/>
                 <a:ext cx="428322" cy="276999"/>
               </a:xfrm>
               <a:prstGeom prst="rect">
@@ -3541,7 +3541,7 @@
               <a:blipFill>
                 <a:blip r:embed="rId2"/>
                 <a:stretch>
-                  <a:fillRect l="-17143" b="-27273"/>
+                  <a:fillRect l="-21212" b="-28571"/>
                 </a:stretch>
               </a:blipFill>
             </p:spPr>
@@ -3576,7 +3576,7 @@
             </p:nvSpPr>
             <p:spPr>
               <a:xfrm>
-                <a:off x="2931748" y="3338555"/>
+                <a:off x="2726268" y="3338555"/>
                 <a:ext cx="427233" cy="276999"/>
               </a:xfrm>
               <a:prstGeom prst="rect">
@@ -3633,7 +3633,7 @@
             </p:nvSpPr>
             <p:spPr>
               <a:xfrm>
-                <a:off x="2931748" y="3338555"/>
+                <a:off x="2726268" y="3338555"/>
                 <a:ext cx="427233" cy="276999"/>
               </a:xfrm>
               <a:prstGeom prst="rect">
@@ -3642,7 +3642,7 @@
               <a:blipFill>
                 <a:blip r:embed="rId3"/>
                 <a:stretch>
-                  <a:fillRect l="-17647" b="-21739"/>
+                  <a:fillRect l="-20588" b="-28571"/>
                 </a:stretch>
               </a:blipFill>
             </p:spPr>
@@ -3661,8 +3661,8 @@
           </p:sp>
         </mc:Fallback>
       </mc:AlternateContent>
-      <mc:AlternateContent xmlns:mc="http://schemas.openxmlformats.org/markup-compatibility/2006">
-        <mc:Choice xmlns:a14="http://schemas.microsoft.com/office/drawing/2010/main" Requires="a14">
+      <mc:AlternateContent xmlns:mc="http://schemas.openxmlformats.org/markup-compatibility/2006" xmlns:a14="http://schemas.microsoft.com/office/drawing/2010/main">
+        <mc:Choice Requires="a14">
           <p:sp>
             <p:nvSpPr>
               <p:cNvPr id="31" name="TextBox 30">
@@ -3791,7 +3791,7 @@
             </p:txBody>
           </p:sp>
         </mc:Choice>
-        <mc:Fallback>
+        <mc:Fallback xmlns="">
           <p:sp>
             <p:nvSpPr>
               <p:cNvPr id="31" name="TextBox 30">
